--- a/slides/5-CriandoObjeto.pptx
+++ b/slides/5-CriandoObjeto.pptx
@@ -199,7 +199,7 @@
             <a:fld id="{AC7B105F-DBDF-49FF-9704-57A86DD4902B}" type="datetimeFigureOut">
               <a:rPr lang="pt-BR" smtClean="0"/>
               <a:pPr/>
-              <a:t>14/01/2012</a:t>
+              <a:t>08/02/2012</a:t>
             </a:fld>
             <a:endParaRPr lang="pt-BR"/>
           </a:p>
@@ -368,6 +368,11 @@
         </p:txBody>
       </p:sp>
     </p:spTree>
+    <p:extLst>
+      <p:ext uri="{BB962C8B-B14F-4D97-AF65-F5344CB8AC3E}">
+        <p14:creationId xmlns:p14="http://schemas.microsoft.com/office/powerpoint/2010/main" val="601998205"/>
+      </p:ext>
+    </p:extLst>
   </p:cSld>
   <p:clrMap bg1="lt1" tx1="dk1" bg2="lt2" tx2="dk2" accent1="accent1" accent2="accent2" accent3="accent3" accent4="accent4" accent5="accent5" accent6="accent6" hlink="hlink" folHlink="folHlink"/>
   <p:notesStyle>
@@ -1230,7 +1235,7 @@
             <a:fld id="{C1675C04-B1D7-4314-A174-D1660FB6FF37}" type="datetimeFigureOut">
               <a:rPr lang="pt-BR" smtClean="0"/>
               <a:pPr/>
-              <a:t>14/01/2012</a:t>
+              <a:t>08/02/2012</a:t>
             </a:fld>
             <a:endParaRPr lang="pt-BR"/>
           </a:p>
@@ -1282,7 +1287,7 @@
     </p:spTree>
     <p:extLst>
       <p:ext uri="{BB962C8B-B14F-4D97-AF65-F5344CB8AC3E}">
-        <p14:creationId xmlns="" xmlns:p14="http://schemas.microsoft.com/office/powerpoint/2010/main" val="3819067513"/>
+        <p14:creationId xmlns:p14="http://schemas.microsoft.com/office/powerpoint/2010/main" val="3819067513"/>
       </p:ext>
     </p:extLst>
   </p:cSld>
@@ -1454,7 +1459,7 @@
             <a:fld id="{C1675C04-B1D7-4314-A174-D1660FB6FF37}" type="datetimeFigureOut">
               <a:rPr lang="pt-BR" smtClean="0"/>
               <a:pPr/>
-              <a:t>14/01/2012</a:t>
+              <a:t>08/02/2012</a:t>
             </a:fld>
             <a:endParaRPr lang="pt-BR"/>
           </a:p>
@@ -1506,7 +1511,7 @@
     </p:spTree>
     <p:extLst>
       <p:ext uri="{BB962C8B-B14F-4D97-AF65-F5344CB8AC3E}">
-        <p14:creationId xmlns="" xmlns:p14="http://schemas.microsoft.com/office/powerpoint/2010/main" val="4293683188"/>
+        <p14:creationId xmlns:p14="http://schemas.microsoft.com/office/powerpoint/2010/main" val="4293683188"/>
       </p:ext>
     </p:extLst>
   </p:cSld>
@@ -1688,7 +1693,7 @@
             <a:fld id="{C1675C04-B1D7-4314-A174-D1660FB6FF37}" type="datetimeFigureOut">
               <a:rPr lang="pt-BR" smtClean="0"/>
               <a:pPr/>
-              <a:t>14/01/2012</a:t>
+              <a:t>08/02/2012</a:t>
             </a:fld>
             <a:endParaRPr lang="pt-BR"/>
           </a:p>
@@ -1740,7 +1745,7 @@
     </p:spTree>
     <p:extLst>
       <p:ext uri="{BB962C8B-B14F-4D97-AF65-F5344CB8AC3E}">
-        <p14:creationId xmlns="" xmlns:p14="http://schemas.microsoft.com/office/powerpoint/2010/main" val="932540526"/>
+        <p14:creationId xmlns:p14="http://schemas.microsoft.com/office/powerpoint/2010/main" val="932540526"/>
       </p:ext>
     </p:extLst>
   </p:cSld>
@@ -1787,7 +1792,7 @@
           <a:blip r:embed="rId2" cstate="print">
             <a:extLst>
               <a:ext uri="{BEBA8EAE-BF5A-486C-A8C5-ECC9F3942E4B}">
-                <a14:imgProps xmlns="" xmlns:a14="http://schemas.microsoft.com/office/drawing/2010/main">
+                <a14:imgProps xmlns:a14="http://schemas.microsoft.com/office/drawing/2010/main">
                   <a14:imgLayer r:embed="rId3">
                     <a14:imgEffect>
                       <a14:artisticBlur/>
@@ -1796,7 +1801,7 @@
                 </a14:imgProps>
               </a:ext>
               <a:ext uri="{28A0092B-C50C-407E-A947-70E740481C1C}">
-                <a14:useLocalDpi xmlns="" xmlns:a14="http://schemas.microsoft.com/office/drawing/2010/main" val="0"/>
+                <a14:useLocalDpi xmlns:a14="http://schemas.microsoft.com/office/drawing/2010/main" val="0"/>
               </a:ext>
             </a:extLst>
           </a:blip>
@@ -1818,14 +1823,14 @@
           </a:ln>
           <a:extLst>
             <a:ext uri="{909E8E84-426E-40DD-AFC4-6F175D3DCCD1}">
-              <a14:hiddenFill xmlns="" xmlns:a14="http://schemas.microsoft.com/office/drawing/2010/main">
+              <a14:hiddenFill xmlns:a14="http://schemas.microsoft.com/office/drawing/2010/main">
                 <a:solidFill>
                   <a:schemeClr val="accent1"/>
                 </a:solidFill>
               </a14:hiddenFill>
             </a:ext>
             <a:ext uri="{91240B29-F687-4F45-9708-019B960494DF}">
-              <a14:hiddenLine xmlns="" xmlns:a14="http://schemas.microsoft.com/office/drawing/2010/main" w="9525">
+              <a14:hiddenLine xmlns:a14="http://schemas.microsoft.com/office/drawing/2010/main" w="9525">
                 <a:solidFill>
                   <a:schemeClr val="tx1"/>
                 </a:solidFill>
@@ -1835,7 +1840,7 @@
               </a14:hiddenLine>
             </a:ext>
             <a:ext uri="{AF507438-7753-43E0-B8FC-AC1667EBCBE1}">
-              <a14:hiddenEffects xmlns="" xmlns:a14="http://schemas.microsoft.com/office/drawing/2010/main">
+              <a14:hiddenEffects xmlns:a14="http://schemas.microsoft.com/office/drawing/2010/main">
                 <a:effectLst>
                   <a:outerShdw dist="35921" dir="2700000" algn="ctr" rotWithShape="0">
                     <a:schemeClr val="bg2"/>
@@ -2031,7 +2036,7 @@
             <a:fld id="{C1675C04-B1D7-4314-A174-D1660FB6FF37}" type="datetimeFigureOut">
               <a:rPr lang="pt-BR" smtClean="0"/>
               <a:pPr/>
-              <a:t>14/01/2012</a:t>
+              <a:t>08/02/2012</a:t>
             </a:fld>
             <a:endParaRPr lang="pt-BR"/>
           </a:p>
@@ -2083,7 +2088,7 @@
     </p:spTree>
     <p:extLst>
       <p:ext uri="{BB962C8B-B14F-4D97-AF65-F5344CB8AC3E}">
-        <p14:creationId xmlns="" xmlns:p14="http://schemas.microsoft.com/office/powerpoint/2010/main" val="1140807732"/>
+        <p14:creationId xmlns:p14="http://schemas.microsoft.com/office/powerpoint/2010/main" val="1140807732"/>
       </p:ext>
     </p:extLst>
   </p:cSld>
@@ -2289,7 +2294,7 @@
             <a:fld id="{C1675C04-B1D7-4314-A174-D1660FB6FF37}" type="datetimeFigureOut">
               <a:rPr lang="pt-BR" smtClean="0"/>
               <a:pPr/>
-              <a:t>14/01/2012</a:t>
+              <a:t>08/02/2012</a:t>
             </a:fld>
             <a:endParaRPr lang="pt-BR"/>
           </a:p>
@@ -2341,7 +2346,7 @@
     </p:spTree>
     <p:extLst>
       <p:ext uri="{BB962C8B-B14F-4D97-AF65-F5344CB8AC3E}">
-        <p14:creationId xmlns="" xmlns:p14="http://schemas.microsoft.com/office/powerpoint/2010/main" val="3735907881"/>
+        <p14:creationId xmlns:p14="http://schemas.microsoft.com/office/powerpoint/2010/main" val="3735907881"/>
       </p:ext>
     </p:extLst>
   </p:cSld>
@@ -2635,7 +2640,7 @@
             <a:fld id="{C1675C04-B1D7-4314-A174-D1660FB6FF37}" type="datetimeFigureOut">
               <a:rPr lang="pt-BR" smtClean="0"/>
               <a:pPr/>
-              <a:t>14/01/2012</a:t>
+              <a:t>08/02/2012</a:t>
             </a:fld>
             <a:endParaRPr lang="pt-BR"/>
           </a:p>
@@ -2687,7 +2692,7 @@
     </p:spTree>
     <p:extLst>
       <p:ext uri="{BB962C8B-B14F-4D97-AF65-F5344CB8AC3E}">
-        <p14:creationId xmlns="" xmlns:p14="http://schemas.microsoft.com/office/powerpoint/2010/main" val="2820318444"/>
+        <p14:creationId xmlns:p14="http://schemas.microsoft.com/office/powerpoint/2010/main" val="2820318444"/>
       </p:ext>
     </p:extLst>
   </p:cSld>
@@ -3119,7 +3124,7 @@
             <a:fld id="{C1675C04-B1D7-4314-A174-D1660FB6FF37}" type="datetimeFigureOut">
               <a:rPr lang="pt-BR" smtClean="0"/>
               <a:pPr/>
-              <a:t>14/01/2012</a:t>
+              <a:t>08/02/2012</a:t>
             </a:fld>
             <a:endParaRPr lang="pt-BR"/>
           </a:p>
@@ -3171,7 +3176,7 @@
     </p:spTree>
     <p:extLst>
       <p:ext uri="{BB962C8B-B14F-4D97-AF65-F5344CB8AC3E}">
-        <p14:creationId xmlns="" xmlns:p14="http://schemas.microsoft.com/office/powerpoint/2010/main" val="566552069"/>
+        <p14:creationId xmlns:p14="http://schemas.microsoft.com/office/powerpoint/2010/main" val="566552069"/>
       </p:ext>
     </p:extLst>
   </p:cSld>
@@ -3255,7 +3260,7 @@
             <a:fld id="{C1675C04-B1D7-4314-A174-D1660FB6FF37}" type="datetimeFigureOut">
               <a:rPr lang="pt-BR" smtClean="0"/>
               <a:pPr/>
-              <a:t>14/01/2012</a:t>
+              <a:t>08/02/2012</a:t>
             </a:fld>
             <a:endParaRPr lang="pt-BR"/>
           </a:p>
@@ -3307,7 +3312,7 @@
     </p:spTree>
     <p:extLst>
       <p:ext uri="{BB962C8B-B14F-4D97-AF65-F5344CB8AC3E}">
-        <p14:creationId xmlns="" xmlns:p14="http://schemas.microsoft.com/office/powerpoint/2010/main" val="1358390184"/>
+        <p14:creationId xmlns:p14="http://schemas.microsoft.com/office/powerpoint/2010/main" val="1358390184"/>
       </p:ext>
     </p:extLst>
   </p:cSld>
@@ -3360,7 +3365,7 @@
             <a:fld id="{C1675C04-B1D7-4314-A174-D1660FB6FF37}" type="datetimeFigureOut">
               <a:rPr lang="pt-BR" smtClean="0"/>
               <a:pPr/>
-              <a:t>14/01/2012</a:t>
+              <a:t>08/02/2012</a:t>
             </a:fld>
             <a:endParaRPr lang="pt-BR"/>
           </a:p>
@@ -3412,7 +3417,7 @@
     </p:spTree>
     <p:extLst>
       <p:ext uri="{BB962C8B-B14F-4D97-AF65-F5344CB8AC3E}">
-        <p14:creationId xmlns="" xmlns:p14="http://schemas.microsoft.com/office/powerpoint/2010/main" val="3705262111"/>
+        <p14:creationId xmlns:p14="http://schemas.microsoft.com/office/powerpoint/2010/main" val="3705262111"/>
       </p:ext>
     </p:extLst>
   </p:cSld>
@@ -3675,7 +3680,7 @@
             <a:fld id="{C1675C04-B1D7-4314-A174-D1660FB6FF37}" type="datetimeFigureOut">
               <a:rPr lang="pt-BR" smtClean="0"/>
               <a:pPr/>
-              <a:t>14/01/2012</a:t>
+              <a:t>08/02/2012</a:t>
             </a:fld>
             <a:endParaRPr lang="pt-BR"/>
           </a:p>
@@ -3727,7 +3732,7 @@
     </p:spTree>
     <p:extLst>
       <p:ext uri="{BB962C8B-B14F-4D97-AF65-F5344CB8AC3E}">
-        <p14:creationId xmlns="" xmlns:p14="http://schemas.microsoft.com/office/powerpoint/2010/main" val="2189634051"/>
+        <p14:creationId xmlns:p14="http://schemas.microsoft.com/office/powerpoint/2010/main" val="2189634051"/>
       </p:ext>
     </p:extLst>
   </p:cSld>
@@ -3950,7 +3955,7 @@
             <a:fld id="{C1675C04-B1D7-4314-A174-D1660FB6FF37}" type="datetimeFigureOut">
               <a:rPr lang="pt-BR" smtClean="0"/>
               <a:pPr/>
-              <a:t>14/01/2012</a:t>
+              <a:t>08/02/2012</a:t>
             </a:fld>
             <a:endParaRPr lang="pt-BR"/>
           </a:p>
@@ -4002,7 +4007,7 @@
     </p:spTree>
     <p:extLst>
       <p:ext uri="{BB962C8B-B14F-4D97-AF65-F5344CB8AC3E}">
-        <p14:creationId xmlns="" xmlns:p14="http://schemas.microsoft.com/office/powerpoint/2010/main" val="3848481695"/>
+        <p14:creationId xmlns:p14="http://schemas.microsoft.com/office/powerpoint/2010/main" val="3848481695"/>
       </p:ext>
     </p:extLst>
   </p:cSld>
@@ -4166,7 +4171,7 @@
             <a:fld id="{C1675C04-B1D7-4314-A174-D1660FB6FF37}" type="datetimeFigureOut">
               <a:rPr lang="pt-BR" smtClean="0"/>
               <a:pPr/>
-              <a:t>14/01/2012</a:t>
+              <a:t>08/02/2012</a:t>
             </a:fld>
             <a:endParaRPr lang="pt-BR"/>
           </a:p>
@@ -4280,7 +4285,7 @@
     </p:spTree>
     <p:extLst>
       <p:ext uri="{BB962C8B-B14F-4D97-AF65-F5344CB8AC3E}">
-        <p14:creationId xmlns="" xmlns:p14="http://schemas.microsoft.com/office/powerpoint/2010/main" val="2257276274"/>
+        <p14:creationId xmlns:p14="http://schemas.microsoft.com/office/powerpoint/2010/main" val="2257276274"/>
       </p:ext>
     </p:extLst>
   </p:cSld>
@@ -4588,7 +4593,7 @@
           <a:blip r:embed="rId3" cstate="print">
             <a:extLst>
               <a:ext uri="{28A0092B-C50C-407E-A947-70E740481C1C}">
-                <a14:useLocalDpi xmlns="" xmlns:a14="http://schemas.microsoft.com/office/drawing/2010/main" val="0"/>
+                <a14:useLocalDpi xmlns:a14="http://schemas.microsoft.com/office/drawing/2010/main" val="0"/>
               </a:ext>
             </a:extLst>
           </a:blip>
@@ -4612,14 +4617,14 @@
           <a:effectLst/>
           <a:extLst>
             <a:ext uri="{909E8E84-426E-40DD-AFC4-6F175D3DCCD1}">
-              <a14:hiddenFill xmlns="" xmlns:a14="http://schemas.microsoft.com/office/drawing/2010/main">
+              <a14:hiddenFill xmlns:a14="http://schemas.microsoft.com/office/drawing/2010/main">
                 <a:solidFill>
                   <a:schemeClr val="accent1"/>
                 </a:solidFill>
               </a14:hiddenFill>
             </a:ext>
             <a:ext uri="{91240B29-F687-4F45-9708-019B960494DF}">
-              <a14:hiddenLine xmlns="" xmlns:a14="http://schemas.microsoft.com/office/drawing/2010/main" w="9525">
+              <a14:hiddenLine xmlns:a14="http://schemas.microsoft.com/office/drawing/2010/main" w="9525">
                 <a:solidFill>
                   <a:schemeClr val="tx1"/>
                 </a:solidFill>
@@ -4629,7 +4634,7 @@
               </a14:hiddenLine>
             </a:ext>
             <a:ext uri="{AF507438-7753-43E0-B8FC-AC1667EBCBE1}">
-              <a14:hiddenEffects xmlns="" xmlns:a14="http://schemas.microsoft.com/office/drawing/2010/main">
+              <a14:hiddenEffects xmlns:a14="http://schemas.microsoft.com/office/drawing/2010/main">
                 <a:effectLst>
                   <a:outerShdw dist="35921" dir="2700000" algn="ctr" rotWithShape="0">
                     <a:schemeClr val="bg2"/>
@@ -4717,7 +4722,7 @@
     </p:spTree>
     <p:extLst>
       <p:ext uri="{BB962C8B-B14F-4D97-AF65-F5344CB8AC3E}">
-        <p14:creationId xmlns="" xmlns:p14="http://schemas.microsoft.com/office/powerpoint/2010/main" val="164985714"/>
+        <p14:creationId xmlns:p14="http://schemas.microsoft.com/office/powerpoint/2010/main" val="164985714"/>
       </p:ext>
     </p:extLst>
   </p:cSld>
@@ -4725,6 +4730,13 @@
     <a:masterClrMapping/>
   </p:clrMapOvr>
   <p:transition spd="slow"/>
+  <p:timing>
+    <p:tnLst>
+      <p:par>
+        <p:cTn id="1" dur="indefinite" restart="never" nodeType="tmRoot"/>
+      </p:par>
+    </p:tnLst>
+  </p:timing>
 </p:sld>
 </file>
 
@@ -5070,7 +5082,7 @@
     </p:spTree>
     <p:extLst>
       <p:ext uri="{BB962C8B-B14F-4D97-AF65-F5344CB8AC3E}">
-        <p14:creationId xmlns="" xmlns:p14="http://schemas.microsoft.com/office/powerpoint/2010/main" val="297477477"/>
+        <p14:creationId xmlns:p14="http://schemas.microsoft.com/office/powerpoint/2010/main" val="297477477"/>
       </p:ext>
     </p:extLst>
   </p:cSld>
@@ -5142,7 +5154,7 @@
           <a:blip r:embed="rId3" cstate="print">
             <a:extLst>
               <a:ext uri="{28A0092B-C50C-407E-A947-70E740481C1C}">
-                <a14:useLocalDpi xmlns="" xmlns:a14="http://schemas.microsoft.com/office/drawing/2010/main" val="0"/>
+                <a14:useLocalDpi xmlns:a14="http://schemas.microsoft.com/office/drawing/2010/main" val="0"/>
               </a:ext>
             </a:extLst>
           </a:blip>
@@ -5166,14 +5178,14 @@
           <a:effectLst/>
           <a:extLst>
             <a:ext uri="{909E8E84-426E-40DD-AFC4-6F175D3DCCD1}">
-              <a14:hiddenFill xmlns="" xmlns:a14="http://schemas.microsoft.com/office/drawing/2010/main">
+              <a14:hiddenFill xmlns:a14="http://schemas.microsoft.com/office/drawing/2010/main">
                 <a:solidFill>
                   <a:schemeClr val="accent1"/>
                 </a:solidFill>
               </a14:hiddenFill>
             </a:ext>
             <a:ext uri="{91240B29-F687-4F45-9708-019B960494DF}">
-              <a14:hiddenLine xmlns="" xmlns:a14="http://schemas.microsoft.com/office/drawing/2010/main" w="9525">
+              <a14:hiddenLine xmlns:a14="http://schemas.microsoft.com/office/drawing/2010/main" w="9525">
                 <a:solidFill>
                   <a:schemeClr val="tx1"/>
                 </a:solidFill>
@@ -5183,7 +5195,7 @@
               </a14:hiddenLine>
             </a:ext>
             <a:ext uri="{AF507438-7753-43E0-B8FC-AC1667EBCBE1}">
-              <a14:hiddenEffects xmlns="" xmlns:a14="http://schemas.microsoft.com/office/drawing/2010/main">
+              <a14:hiddenEffects xmlns:a14="http://schemas.microsoft.com/office/drawing/2010/main">
                 <a:effectLst>
                   <a:outerShdw dist="35921" dir="2700000" algn="ctr" rotWithShape="0">
                     <a:schemeClr val="bg2"/>
@@ -5575,7 +5587,7 @@
     </p:spTree>
     <p:extLst>
       <p:ext uri="{BB962C8B-B14F-4D97-AF65-F5344CB8AC3E}">
-        <p14:creationId xmlns="" xmlns:p14="http://schemas.microsoft.com/office/powerpoint/2010/main" val="3638357189"/>
+        <p14:creationId xmlns:p14="http://schemas.microsoft.com/office/powerpoint/2010/main" val="3638357189"/>
       </p:ext>
     </p:extLst>
   </p:cSld>
@@ -5733,7 +5745,7 @@
     </p:spTree>
     <p:extLst>
       <p:ext uri="{BB962C8B-B14F-4D97-AF65-F5344CB8AC3E}">
-        <p14:creationId xmlns="" xmlns:p14="http://schemas.microsoft.com/office/powerpoint/2010/main" val="3605316534"/>
+        <p14:creationId xmlns:p14="http://schemas.microsoft.com/office/powerpoint/2010/main" val="3605316534"/>
       </p:ext>
     </p:extLst>
   </p:cSld>
@@ -5741,6 +5753,13 @@
     <a:masterClrMapping/>
   </p:clrMapOvr>
   <p:transition spd="slow"/>
+  <p:timing>
+    <p:tnLst>
+      <p:par>
+        <p:cTn id="1" dur="indefinite" restart="never" nodeType="tmRoot"/>
+      </p:par>
+    </p:tnLst>
+  </p:timing>
 </p:sld>
 </file>
 
@@ -5814,7 +5833,7 @@
         <p:spPr>
           <a:xfrm>
             <a:off x="467544" y="1524632"/>
-            <a:ext cx="8208912" cy="3808735"/>
+            <a:ext cx="8208912" cy="4304255"/>
           </a:xfrm>
           <a:prstGeom prst="rect">
             <a:avLst/>
@@ -6254,7 +6273,41 @@
                 <a:ea typeface="Calibri"/>
                 <a:cs typeface="Consolas" pitchFamily="49" charset="0"/>
               </a:rPr>
-              <a:t>myShirt.displayInformation</a:t>
+              <a:t>myShirt</a:t>
+            </a:r>
+            <a:r>
+              <a:rPr lang="en-US" sz="1400" dirty="0" smtClean="0">
+                <a:solidFill>
+                  <a:srgbClr val="000000"/>
+                </a:solidFill>
+                <a:effectLst/>
+                <a:latin typeface="Consolas" pitchFamily="49" charset="0"/>
+                <a:ea typeface="Calibri"/>
+                <a:cs typeface="Consolas" pitchFamily="49" charset="0"/>
+              </a:rPr>
+              <a:t>.</a:t>
+            </a:r>
+            <a:r>
+              <a:rPr lang="en-US" sz="1400" dirty="0">
+                <a:solidFill>
+                  <a:srgbClr val="000000"/>
+                </a:solidFill>
+                <a:latin typeface="Consolas" pitchFamily="49" charset="0"/>
+                <a:ea typeface="Calibri"/>
+                <a:cs typeface="Consolas" pitchFamily="49" charset="0"/>
+              </a:rPr>
+              <a:t> </a:t>
+            </a:r>
+            <a:r>
+              <a:rPr lang="en-US" sz="1400" dirty="0" err="1">
+                <a:solidFill>
+                  <a:srgbClr val="000000"/>
+                </a:solidFill>
+                <a:latin typeface="Consolas" pitchFamily="49" charset="0"/>
+                <a:ea typeface="Calibri"/>
+                <a:cs typeface="Consolas" pitchFamily="49" charset="0"/>
+              </a:rPr>
+              <a:t>displayShirtInformation</a:t>
             </a:r>
             <a:r>
               <a:rPr lang="en-US" sz="1400" dirty="0" smtClean="0">
@@ -6305,7 +6358,41 @@
                 <a:ea typeface="Calibri"/>
                 <a:cs typeface="Consolas" pitchFamily="49" charset="0"/>
               </a:rPr>
-              <a:t>yourShirt.displayInformation</a:t>
+              <a:t>yourShirt</a:t>
+            </a:r>
+            <a:r>
+              <a:rPr lang="en-US" sz="1400" dirty="0" smtClean="0">
+                <a:solidFill>
+                  <a:srgbClr val="000000"/>
+                </a:solidFill>
+                <a:effectLst/>
+                <a:latin typeface="Consolas" pitchFamily="49" charset="0"/>
+                <a:ea typeface="Calibri"/>
+                <a:cs typeface="Consolas" pitchFamily="49" charset="0"/>
+              </a:rPr>
+              <a:t>.</a:t>
+            </a:r>
+            <a:r>
+              <a:rPr lang="en-US" sz="1400" dirty="0">
+                <a:solidFill>
+                  <a:srgbClr val="000000"/>
+                </a:solidFill>
+                <a:latin typeface="Consolas" pitchFamily="49" charset="0"/>
+                <a:ea typeface="Calibri"/>
+                <a:cs typeface="Consolas" pitchFamily="49" charset="0"/>
+              </a:rPr>
+              <a:t> </a:t>
+            </a:r>
+            <a:r>
+              <a:rPr lang="en-US" sz="1400" dirty="0" err="1">
+                <a:solidFill>
+                  <a:srgbClr val="000000"/>
+                </a:solidFill>
+                <a:latin typeface="Consolas" pitchFamily="49" charset="0"/>
+                <a:ea typeface="Calibri"/>
+                <a:cs typeface="Consolas" pitchFamily="49" charset="0"/>
+              </a:rPr>
+              <a:t>displayShirtInformation</a:t>
             </a:r>
             <a:r>
               <a:rPr lang="en-US" sz="1400" dirty="0" smtClean="0">
@@ -6503,25 +6590,32 @@
                 <a:ea typeface="Calibri"/>
                 <a:cs typeface="Consolas" pitchFamily="49" charset="0"/>
               </a:rPr>
-              <a:t>'G'</a:t>
+              <a:t>'G</a:t>
             </a:r>
             <a:r>
               <a:rPr lang="en-US" sz="1400" dirty="0" smtClean="0">
                 <a:solidFill>
-                  <a:srgbClr val="000000"/>
+                  <a:srgbClr val="2A00FF"/>
                 </a:solidFill>
                 <a:effectLst/>
                 <a:latin typeface="Consolas" pitchFamily="49" charset="0"/>
                 <a:ea typeface="Calibri"/>
                 <a:cs typeface="Consolas" pitchFamily="49" charset="0"/>
               </a:rPr>
+              <a:t>'</a:t>
+            </a:r>
+            <a:r>
+              <a:rPr lang="en-US" sz="1400" dirty="0" smtClean="0">
+                <a:solidFill>
+                  <a:srgbClr val="000000"/>
+                </a:solidFill>
+                <a:effectLst/>
+                <a:latin typeface="Consolas" pitchFamily="49" charset="0"/>
+                <a:ea typeface="Calibri"/>
+                <a:cs typeface="Consolas" pitchFamily="49" charset="0"/>
+              </a:rPr>
               <a:t>;</a:t>
             </a:r>
-            <a:endParaRPr lang="pt-BR" sz="1400" dirty="0">
-              <a:latin typeface="Consolas" pitchFamily="49" charset="0"/>
-              <a:ea typeface="Calibri"/>
-              <a:cs typeface="Consolas" pitchFamily="49" charset="0"/>
-            </a:endParaRPr>
           </a:p>
           <a:p>
             <a:pPr>
@@ -6532,15 +6626,6 @@
                 <a:spcPts val="0"/>
               </a:spcAft>
             </a:pPr>
-            <a:r>
-              <a:rPr lang="en-US" sz="1400" dirty="0" smtClean="0">
-                <a:effectLst/>
-                <a:latin typeface="Consolas" pitchFamily="49" charset="0"/>
-                <a:ea typeface="Calibri"/>
-                <a:cs typeface="Consolas" pitchFamily="49" charset="0"/>
-              </a:rPr>
-              <a:t> </a:t>
-            </a:r>
             <a:endParaRPr lang="pt-BR" sz="1400" dirty="0">
               <a:latin typeface="Consolas" pitchFamily="49" charset="0"/>
               <a:ea typeface="Calibri"/>
@@ -6558,45 +6643,58 @@
             </a:pPr>
             <a:r>
               <a:rPr lang="en-US" sz="1400" dirty="0" smtClean="0">
-                <a:solidFill>
-                  <a:srgbClr val="000000"/>
-                </a:solidFill>
                 <a:effectLst/>
                 <a:latin typeface="Consolas" pitchFamily="49" charset="0"/>
                 <a:ea typeface="Calibri"/>
                 <a:cs typeface="Consolas" pitchFamily="49" charset="0"/>
               </a:rPr>
-              <a:t>		</a:t>
-            </a:r>
-            <a:r>
-              <a:rPr lang="en-US" sz="1400" dirty="0" err="1" smtClean="0">
-                <a:solidFill>
-                  <a:srgbClr val="000000"/>
-                </a:solidFill>
+              <a:t> </a:t>
+            </a:r>
+            <a:r>
+              <a:rPr lang="en-US" sz="1400" dirty="0" smtClean="0">
                 <a:effectLst/>
                 <a:latin typeface="Consolas" pitchFamily="49" charset="0"/>
                 <a:ea typeface="Calibri"/>
                 <a:cs typeface="Consolas" pitchFamily="49" charset="0"/>
               </a:rPr>
-              <a:t>myShirt.displayInformation</a:t>
-            </a:r>
-            <a:r>
-              <a:rPr lang="en-US" sz="1400" dirty="0" smtClean="0">
-                <a:solidFill>
-                  <a:srgbClr val="000000"/>
-                </a:solidFill>
+              <a:t>		</a:t>
+            </a:r>
+            <a:r>
+              <a:rPr lang="en-US" sz="1400" dirty="0" err="1" smtClean="0">
                 <a:effectLst/>
                 <a:latin typeface="Consolas" pitchFamily="49" charset="0"/>
                 <a:ea typeface="Calibri"/>
                 <a:cs typeface="Consolas" pitchFamily="49" charset="0"/>
               </a:rPr>
-              <a:t>();</a:t>
-            </a:r>
-            <a:endParaRPr lang="pt-BR" sz="1400" dirty="0">
-              <a:latin typeface="Consolas" pitchFamily="49" charset="0"/>
-              <a:ea typeface="Calibri"/>
-              <a:cs typeface="Consolas" pitchFamily="49" charset="0"/>
-            </a:endParaRPr>
+              <a:t>myShirt</a:t>
+            </a:r>
+            <a:r>
+              <a:rPr lang="en-US" sz="1400" dirty="0" smtClean="0">
+                <a:effectLst/>
+                <a:latin typeface="Consolas" pitchFamily="49" charset="0"/>
+                <a:ea typeface="Calibri"/>
+                <a:cs typeface="Consolas" pitchFamily="49" charset="0"/>
+              </a:rPr>
+              <a:t> = </a:t>
+            </a:r>
+            <a:r>
+              <a:rPr lang="en-US" sz="1400" dirty="0" err="1" smtClean="0">
+                <a:effectLst/>
+                <a:latin typeface="Consolas" pitchFamily="49" charset="0"/>
+                <a:ea typeface="Calibri"/>
+                <a:cs typeface="Consolas" pitchFamily="49" charset="0"/>
+              </a:rPr>
+              <a:t>yourShirt</a:t>
+            </a:r>
+            <a:r>
+              <a:rPr lang="en-US" sz="1400" dirty="0" smtClean="0">
+                <a:effectLst/>
+                <a:latin typeface="Consolas" pitchFamily="49" charset="0"/>
+                <a:ea typeface="Calibri"/>
+                <a:cs typeface="Consolas" pitchFamily="49" charset="0"/>
+              </a:rPr>
+              <a:t>;</a:t>
+            </a:r>
           </a:p>
           <a:p>
             <a:pPr>
@@ -6607,42 +6705,6 @@
                 <a:spcPts val="0"/>
               </a:spcAft>
             </a:pPr>
-            <a:r>
-              <a:rPr lang="en-US" sz="1400" dirty="0" smtClean="0">
-                <a:solidFill>
-                  <a:srgbClr val="000000"/>
-                </a:solidFill>
-                <a:effectLst/>
-                <a:latin typeface="Consolas" pitchFamily="49" charset="0"/>
-                <a:ea typeface="Calibri"/>
-                <a:cs typeface="Consolas" pitchFamily="49" charset="0"/>
-              </a:rPr>
-              <a:t>		</a:t>
-            </a:r>
-            <a:r>
-              <a:rPr lang="pt-BR" sz="1400" dirty="0" err="1" smtClean="0">
-                <a:solidFill>
-                  <a:srgbClr val="000000"/>
-                </a:solidFill>
-                <a:effectLst/>
-                <a:latin typeface="Consolas" pitchFamily="49" charset="0"/>
-                <a:ea typeface="Calibri"/>
-                <a:cs typeface="Consolas" pitchFamily="49" charset="0"/>
-              </a:rPr>
-              <a:t>yourShirt.displayInformation</a:t>
-            </a:r>
-            <a:r>
-              <a:rPr lang="pt-BR" sz="1400" dirty="0" smtClean="0">
-                <a:solidFill>
-                  <a:srgbClr val="000000"/>
-                </a:solidFill>
-                <a:effectLst/>
-                <a:latin typeface="Consolas" pitchFamily="49" charset="0"/>
-                <a:ea typeface="Calibri"/>
-                <a:cs typeface="Consolas" pitchFamily="49" charset="0"/>
-              </a:rPr>
-              <a:t>();</a:t>
-            </a:r>
             <a:endParaRPr lang="pt-BR" sz="1400" dirty="0">
               <a:latin typeface="Consolas" pitchFamily="49" charset="0"/>
               <a:ea typeface="Calibri"/>
@@ -6659,6 +6721,142 @@
               </a:spcAft>
             </a:pPr>
             <a:r>
+              <a:rPr lang="en-US" sz="1400" dirty="0" smtClean="0">
+                <a:solidFill>
+                  <a:srgbClr val="000000"/>
+                </a:solidFill>
+                <a:effectLst/>
+                <a:latin typeface="Consolas" pitchFamily="49" charset="0"/>
+                <a:ea typeface="Calibri"/>
+                <a:cs typeface="Consolas" pitchFamily="49" charset="0"/>
+              </a:rPr>
+              <a:t>		</a:t>
+            </a:r>
+            <a:r>
+              <a:rPr lang="en-US" sz="1400" smtClean="0">
+                <a:solidFill>
+                  <a:srgbClr val="000000"/>
+                </a:solidFill>
+                <a:effectLst/>
+                <a:latin typeface="Consolas" pitchFamily="49" charset="0"/>
+                <a:ea typeface="Calibri"/>
+                <a:cs typeface="Consolas" pitchFamily="49" charset="0"/>
+              </a:rPr>
+              <a:t>myShirt.</a:t>
+            </a:r>
+            <a:r>
+              <a:rPr lang="en-US" sz="1400" smtClean="0">
+                <a:solidFill>
+                  <a:srgbClr val="000000"/>
+                </a:solidFill>
+                <a:latin typeface="Consolas" pitchFamily="49" charset="0"/>
+                <a:ea typeface="Calibri"/>
+                <a:cs typeface="Consolas" pitchFamily="49" charset="0"/>
+              </a:rPr>
+              <a:t>displayShirtInformation</a:t>
+            </a:r>
+            <a:r>
+              <a:rPr lang="en-US" sz="1400" dirty="0" smtClean="0">
+                <a:solidFill>
+                  <a:srgbClr val="000000"/>
+                </a:solidFill>
+                <a:effectLst/>
+                <a:latin typeface="Consolas" pitchFamily="49" charset="0"/>
+                <a:ea typeface="Calibri"/>
+                <a:cs typeface="Consolas" pitchFamily="49" charset="0"/>
+              </a:rPr>
+              <a:t>();</a:t>
+            </a:r>
+            <a:endParaRPr lang="pt-BR" sz="1400" dirty="0">
+              <a:latin typeface="Consolas" pitchFamily="49" charset="0"/>
+              <a:ea typeface="Calibri"/>
+              <a:cs typeface="Consolas" pitchFamily="49" charset="0"/>
+            </a:endParaRPr>
+          </a:p>
+          <a:p>
+            <a:pPr>
+              <a:lnSpc>
+                <a:spcPct val="115000"/>
+              </a:lnSpc>
+              <a:spcAft>
+                <a:spcPts val="0"/>
+              </a:spcAft>
+            </a:pPr>
+            <a:r>
+              <a:rPr lang="en-US" sz="1400" dirty="0" smtClean="0">
+                <a:solidFill>
+                  <a:srgbClr val="000000"/>
+                </a:solidFill>
+                <a:effectLst/>
+                <a:latin typeface="Consolas" pitchFamily="49" charset="0"/>
+                <a:ea typeface="Calibri"/>
+                <a:cs typeface="Consolas" pitchFamily="49" charset="0"/>
+              </a:rPr>
+              <a:t>		</a:t>
+            </a:r>
+            <a:r>
+              <a:rPr lang="pt-BR" sz="1400" dirty="0" err="1" smtClean="0">
+                <a:solidFill>
+                  <a:srgbClr val="000000"/>
+                </a:solidFill>
+                <a:effectLst/>
+                <a:latin typeface="Consolas" pitchFamily="49" charset="0"/>
+                <a:ea typeface="Calibri"/>
+                <a:cs typeface="Consolas" pitchFamily="49" charset="0"/>
+              </a:rPr>
+              <a:t>yourShirt</a:t>
+            </a:r>
+            <a:r>
+              <a:rPr lang="pt-BR" sz="1400" dirty="0" smtClean="0">
+                <a:solidFill>
+                  <a:srgbClr val="000000"/>
+                </a:solidFill>
+                <a:effectLst/>
+                <a:latin typeface="Consolas" pitchFamily="49" charset="0"/>
+                <a:ea typeface="Calibri"/>
+                <a:cs typeface="Consolas" pitchFamily="49" charset="0"/>
+              </a:rPr>
+              <a:t>.</a:t>
+            </a:r>
+            <a:r>
+              <a:rPr lang="en-US" sz="1400" dirty="0" err="1" smtClean="0">
+                <a:solidFill>
+                  <a:srgbClr val="000000"/>
+                </a:solidFill>
+                <a:latin typeface="Consolas" pitchFamily="49" charset="0"/>
+                <a:ea typeface="Calibri"/>
+                <a:cs typeface="Consolas" pitchFamily="49" charset="0"/>
+              </a:rPr>
+              <a:t>displayShirtInformation</a:t>
+            </a:r>
+            <a:r>
+              <a:rPr lang="pt-BR" sz="1400" dirty="0" smtClean="0">
+                <a:solidFill>
+                  <a:srgbClr val="000000"/>
+                </a:solidFill>
+                <a:effectLst/>
+                <a:latin typeface="Consolas" pitchFamily="49" charset="0"/>
+                <a:ea typeface="Calibri"/>
+                <a:cs typeface="Consolas" pitchFamily="49" charset="0"/>
+              </a:rPr>
+              <a:t>();</a:t>
+            </a:r>
+            <a:endParaRPr lang="pt-BR" sz="1400" dirty="0">
+              <a:latin typeface="Consolas" pitchFamily="49" charset="0"/>
+              <a:ea typeface="Calibri"/>
+              <a:cs typeface="Consolas" pitchFamily="49" charset="0"/>
+            </a:endParaRPr>
+          </a:p>
+          <a:p>
+            <a:pPr>
+              <a:lnSpc>
+                <a:spcPct val="115000"/>
+              </a:lnSpc>
+              <a:spcAft>
+                <a:spcPts val="0"/>
+              </a:spcAft>
+            </a:pPr>
+            <a:r>
               <a:rPr lang="pt-BR" sz="1400" dirty="0" smtClean="0">
                 <a:solidFill>
                   <a:srgbClr val="000000"/>
@@ -6708,7 +6906,7 @@
     </p:spTree>
     <p:extLst>
       <p:ext uri="{BB962C8B-B14F-4D97-AF65-F5344CB8AC3E}">
-        <p14:creationId xmlns="" xmlns:p14="http://schemas.microsoft.com/office/powerpoint/2010/main" val="3337581416"/>
+        <p14:creationId xmlns:p14="http://schemas.microsoft.com/office/powerpoint/2010/main" val="3337581416"/>
       </p:ext>
     </p:extLst>
   </p:cSld>
@@ -6780,7 +6978,7 @@
           <a:blip r:embed="rId3" cstate="print">
             <a:extLst>
               <a:ext uri="{28A0092B-C50C-407E-A947-70E740481C1C}">
-                <a14:useLocalDpi xmlns="" xmlns:a14="http://schemas.microsoft.com/office/drawing/2010/main" val="0"/>
+                <a14:useLocalDpi xmlns:a14="http://schemas.microsoft.com/office/drawing/2010/main" val="0"/>
               </a:ext>
             </a:extLst>
           </a:blip>
@@ -6804,14 +7002,14 @@
           <a:effectLst/>
           <a:extLst>
             <a:ext uri="{909E8E84-426E-40DD-AFC4-6F175D3DCCD1}">
-              <a14:hiddenFill xmlns="" xmlns:a14="http://schemas.microsoft.com/office/drawing/2010/main">
+              <a14:hiddenFill xmlns:a14="http://schemas.microsoft.com/office/drawing/2010/main">
                 <a:solidFill>
                   <a:schemeClr val="accent1"/>
                 </a:solidFill>
               </a14:hiddenFill>
             </a:ext>
             <a:ext uri="{91240B29-F687-4F45-9708-019B960494DF}">
-              <a14:hiddenLine xmlns="" xmlns:a14="http://schemas.microsoft.com/office/drawing/2010/main" w="9525">
+              <a14:hiddenLine xmlns:a14="http://schemas.microsoft.com/office/drawing/2010/main" w="9525">
                 <a:solidFill>
                   <a:schemeClr val="tx1"/>
                 </a:solidFill>
@@ -6821,7 +7019,7 @@
               </a14:hiddenLine>
             </a:ext>
             <a:ext uri="{AF507438-7753-43E0-B8FC-AC1667EBCBE1}">
-              <a14:hiddenEffects xmlns="" xmlns:a14="http://schemas.microsoft.com/office/drawing/2010/main">
+              <a14:hiddenEffects xmlns:a14="http://schemas.microsoft.com/office/drawing/2010/main">
                 <a:effectLst>
                   <a:outerShdw dist="35921" dir="2700000" algn="ctr" rotWithShape="0">
                     <a:schemeClr val="bg2"/>
@@ -6835,7 +7033,7 @@
     </p:spTree>
     <p:extLst>
       <p:ext uri="{BB962C8B-B14F-4D97-AF65-F5344CB8AC3E}">
-        <p14:creationId xmlns="" xmlns:p14="http://schemas.microsoft.com/office/powerpoint/2010/main" val="263247191"/>
+        <p14:creationId xmlns:p14="http://schemas.microsoft.com/office/powerpoint/2010/main" val="263247191"/>
       </p:ext>
     </p:extLst>
   </p:cSld>
@@ -6916,14 +7114,14 @@
           <a:effectLst/>
           <a:extLst>
             <a:ext uri="{909E8E84-426E-40DD-AFC4-6F175D3DCCD1}">
-              <a14:hiddenFill xmlns="" xmlns:a14="http://schemas.microsoft.com/office/drawing/2010/main">
+              <a14:hiddenFill xmlns:a14="http://schemas.microsoft.com/office/drawing/2010/main">
                 <a:solidFill>
                   <a:schemeClr val="accent1"/>
                 </a:solidFill>
               </a14:hiddenFill>
             </a:ext>
             <a:ext uri="{91240B29-F687-4F45-9708-019B960494DF}">
-              <a14:hiddenLine xmlns="" xmlns:a14="http://schemas.microsoft.com/office/drawing/2010/main" w="9525">
+              <a14:hiddenLine xmlns:a14="http://schemas.microsoft.com/office/drawing/2010/main" w="9525">
                 <a:solidFill>
                   <a:schemeClr val="tx1"/>
                 </a:solidFill>
@@ -6933,7 +7131,7 @@
               </a14:hiddenLine>
             </a:ext>
             <a:ext uri="{AF507438-7753-43E0-B8FC-AC1667EBCBE1}">
-              <a14:hiddenEffects xmlns="" xmlns:a14="http://schemas.microsoft.com/office/drawing/2010/main">
+              <a14:hiddenEffects xmlns:a14="http://schemas.microsoft.com/office/drawing/2010/main">
                 <a:effectLst>
                   <a:outerShdw dist="35921" dir="2700000" algn="ctr" rotWithShape="0">
                     <a:schemeClr val="bg2"/>
@@ -7337,7 +7535,7 @@
           <a:blip r:embed="rId3" cstate="print">
             <a:extLst>
               <a:ext uri="{28A0092B-C50C-407E-A947-70E740481C1C}">
-                <a14:useLocalDpi xmlns="" xmlns:a14="http://schemas.microsoft.com/office/drawing/2010/main" val="0"/>
+                <a14:useLocalDpi xmlns:a14="http://schemas.microsoft.com/office/drawing/2010/main" val="0"/>
               </a:ext>
             </a:extLst>
           </a:blip>
@@ -7357,7 +7555,7 @@
           <a:noFill/>
           <a:extLst>
             <a:ext uri="{909E8E84-426E-40DD-AFC4-6F175D3DCCD1}">
-              <a14:hiddenFill xmlns="" xmlns:a14="http://schemas.microsoft.com/office/drawing/2010/main">
+              <a14:hiddenFill xmlns:a14="http://schemas.microsoft.com/office/drawing/2010/main">
                 <a:solidFill>
                   <a:srgbClr val="FFFFFF"/>
                 </a:solidFill>
@@ -7389,14 +7587,14 @@
           <a:effectLst/>
           <a:extLst>
             <a:ext uri="{909E8E84-426E-40DD-AFC4-6F175D3DCCD1}">
-              <a14:hiddenFill xmlns="" xmlns:a14="http://schemas.microsoft.com/office/drawing/2010/main">
+              <a14:hiddenFill xmlns:a14="http://schemas.microsoft.com/office/drawing/2010/main">
                 <a:solidFill>
                   <a:schemeClr val="accent1"/>
                 </a:solidFill>
               </a14:hiddenFill>
             </a:ext>
             <a:ext uri="{91240B29-F687-4F45-9708-019B960494DF}">
-              <a14:hiddenLine xmlns="" xmlns:a14="http://schemas.microsoft.com/office/drawing/2010/main" w="9525">
+              <a14:hiddenLine xmlns:a14="http://schemas.microsoft.com/office/drawing/2010/main" w="9525">
                 <a:solidFill>
                   <a:schemeClr val="tx1"/>
                 </a:solidFill>
@@ -7406,7 +7604,7 @@
               </a14:hiddenLine>
             </a:ext>
             <a:ext uri="{AF507438-7753-43E0-B8FC-AC1667EBCBE1}">
-              <a14:hiddenEffects xmlns="" xmlns:a14="http://schemas.microsoft.com/office/drawing/2010/main">
+              <a14:hiddenEffects xmlns:a14="http://schemas.microsoft.com/office/drawing/2010/main">
                 <a:effectLst>
                   <a:outerShdw dist="35921" dir="2700000" algn="ctr" rotWithShape="0">
                     <a:schemeClr val="bg2"/>
@@ -7458,7 +7656,7 @@
     </p:spTree>
     <p:extLst>
       <p:ext uri="{BB962C8B-B14F-4D97-AF65-F5344CB8AC3E}">
-        <p14:creationId xmlns="" xmlns:p14="http://schemas.microsoft.com/office/powerpoint/2010/main" val="1854904117"/>
+        <p14:creationId xmlns:p14="http://schemas.microsoft.com/office/powerpoint/2010/main" val="1854904117"/>
       </p:ext>
     </p:extLst>
   </p:cSld>
